--- a/logo.pptx
+++ b/logo.pptx
@@ -109,6 +109,11 @@
       </a:defRPr>
     </a:lvl9pPr>
   </p:defaultTextStyle>
+  <p:extLst>
+    <p:ext uri="{EFAFB233-063F-42B5-8137-9DF3F51BA10A}">
+      <p15:sldGuideLst xmlns:p15="http://schemas.microsoft.com/office/powerpoint/2012/main"/>
+    </p:ext>
+  </p:extLst>
 </p:presentation>
 </file>
 
@@ -4098,7 +4103,7 @@
           <a:lstStyle/>
           <a:p>
             <a:pPr algn="ctr"/>
-            <a:endParaRPr lang="en-US"/>
+            <a:endParaRPr lang="en-US" dirty="0"/>
           </a:p>
         </p:txBody>
       </p:sp>
@@ -4116,10 +4121,10 @@
         </p:nvGrpSpPr>
         <p:grpSpPr>
           <a:xfrm>
-            <a:off x="3471215" y="2766169"/>
-            <a:ext cx="2864564" cy="961008"/>
-            <a:chOff x="3463595" y="2425320"/>
-            <a:chExt cx="2864564" cy="961008"/>
+            <a:off x="3465063" y="2766169"/>
+            <a:ext cx="2870716" cy="961008"/>
+            <a:chOff x="3457443" y="2425320"/>
+            <a:chExt cx="2870716" cy="961008"/>
           </a:xfrm>
         </p:grpSpPr>
         <p:sp>
@@ -4141,7 +4146,7 @@
             </a:xfrm>
             <a:prstGeom prst="trapezoid">
               <a:avLst>
-                <a:gd name="adj" fmla="val 51075"/>
+                <a:gd name="adj" fmla="val 52551"/>
               </a:avLst>
             </a:prstGeom>
             <a:solidFill>
@@ -4172,7 +4177,7 @@
             <a:lstStyle/>
             <a:p>
               <a:pPr algn="ctr"/>
-              <a:endParaRPr lang="en-US"/>
+              <a:endParaRPr lang="en-US" dirty="0"/>
             </a:p>
           </p:txBody>
         </p:sp>
@@ -4244,8 +4249,8 @@
           </p:nvSpPr>
           <p:spPr>
             <a:xfrm>
-              <a:off x="3468487" y="2985537"/>
-              <a:ext cx="1599461" cy="400791"/>
+              <a:off x="3457443" y="2985537"/>
+              <a:ext cx="1610505" cy="400791"/>
             </a:xfrm>
             <a:prstGeom prst="roundRect">
               <a:avLst>
@@ -4280,7 +4285,7 @@
             <a:lstStyle/>
             <a:p>
               <a:pPr algn="ctr"/>
-              <a:endParaRPr lang="en-US"/>
+              <a:endParaRPr lang="en-US" dirty="0"/>
             </a:p>
           </p:txBody>
         </p:sp>
@@ -4454,8 +4459,8 @@
         </p:nvSpPr>
         <p:spPr>
           <a:xfrm>
-            <a:off x="3471215" y="3592347"/>
-            <a:ext cx="3325825" cy="567294"/>
+            <a:off x="3465063" y="3592347"/>
+            <a:ext cx="3333680" cy="567294"/>
           </a:xfrm>
           <a:prstGeom prst="roundRect">
             <a:avLst>
@@ -4508,8 +4513,8 @@
         </p:nvSpPr>
         <p:spPr>
           <a:xfrm>
-            <a:off x="3476106" y="3459311"/>
-            <a:ext cx="3320932" cy="523140"/>
+            <a:off x="3455736" y="3459311"/>
+            <a:ext cx="3341302" cy="416683"/>
           </a:xfrm>
           <a:prstGeom prst="rect">
             <a:avLst/>
@@ -4560,8 +4565,8 @@
         </p:nvSpPr>
         <p:spPr>
           <a:xfrm rot="20255138">
-            <a:off x="6182026" y="2754189"/>
-            <a:ext cx="967740" cy="634040"/>
+            <a:off x="6194271" y="2815991"/>
+            <a:ext cx="643575" cy="634040"/>
           </a:xfrm>
           <a:prstGeom prst="roundRect">
             <a:avLst>
@@ -4596,7 +4601,7 @@
           <a:lstStyle/>
           <a:p>
             <a:pPr algn="ctr"/>
-            <a:endParaRPr lang="en-US"/>
+            <a:endParaRPr lang="en-US" dirty="0"/>
           </a:p>
         </p:txBody>
       </p:sp>
@@ -4758,8 +4763,8 @@
         </p:nvSpPr>
         <p:spPr>
           <a:xfrm>
-            <a:off x="6307017" y="2731030"/>
-            <a:ext cx="967740" cy="792872"/>
+            <a:off x="6307017" y="2914986"/>
+            <a:ext cx="699386" cy="608916"/>
           </a:xfrm>
           <a:prstGeom prst="roundRect">
             <a:avLst>
@@ -4812,7 +4817,7 @@
         </p:nvSpPr>
         <p:spPr>
           <a:xfrm>
-            <a:off x="6797039" y="1508760"/>
+            <a:off x="6789419" y="1508760"/>
             <a:ext cx="967740" cy="3840479"/>
           </a:xfrm>
           <a:prstGeom prst="rect">
